--- a/BinominalHeap.pptx
+++ b/BinominalHeap.pptx
@@ -1607,7 +1607,7 @@
           </a:ln>
           <a:extLst>
             <a:ext uri="{C572A759-6A51-4108-AA02-DFA0A04FC94B}">
-              <ma14:wrappingTextBoxFlag xmlns="" xmlns:m="http://schemas.openxmlformats.org/officeDocument/2006/math" xmlns:a14="http://schemas.microsoft.com/office/drawing/2010/main" xmlns:ma14="http://schemas.microsoft.com/office/mac/drawingml/2011/main" val="1"/>
+              <ma14:wrappingTextBoxFlag xmlns:ma14="http://schemas.microsoft.com/office/mac/drawingml/2011/main" xmlns:a14="http://schemas.microsoft.com/office/drawing/2010/main" xmlns:m="http://schemas.openxmlformats.org/officeDocument/2006/math" xmlns="" val="1"/>
             </a:ext>
           </a:extLst>
         </p:spPr>
@@ -1646,7 +1646,7 @@
           </a:ln>
           <a:extLst>
             <a:ext uri="{C572A759-6A51-4108-AA02-DFA0A04FC94B}">
-              <ma14:wrappingTextBoxFlag xmlns="" xmlns:m="http://schemas.openxmlformats.org/officeDocument/2006/math" xmlns:a14="http://schemas.microsoft.com/office/drawing/2010/main" xmlns:ma14="http://schemas.microsoft.com/office/mac/drawingml/2011/main" val="1"/>
+              <ma14:wrappingTextBoxFlag xmlns:ma14="http://schemas.microsoft.com/office/mac/drawingml/2011/main" xmlns:a14="http://schemas.microsoft.com/office/drawing/2010/main" xmlns:m="http://schemas.openxmlformats.org/officeDocument/2006/math" xmlns="" val="1"/>
             </a:ext>
           </a:extLst>
         </p:spPr>
@@ -2749,7 +2749,7 @@
           </a:prstGeom>
           <a:extLst>
             <a:ext uri="{C572A759-6A51-4108-AA02-DFA0A04FC94B}">
-              <ma14:wrappingTextBoxFlag xmlns="" xmlns:m="http://schemas.openxmlformats.org/officeDocument/2006/math" xmlns:a14="http://schemas.microsoft.com/office/drawing/2010/main" xmlns:ma14="http://schemas.microsoft.com/office/mac/drawingml/2011/main" val="1"/>
+              <ma14:wrappingTextBoxFlag xmlns:ma14="http://schemas.microsoft.com/office/mac/drawingml/2011/main" xmlns:a14="http://schemas.microsoft.com/office/drawing/2010/main" xmlns:m="http://schemas.openxmlformats.org/officeDocument/2006/math" xmlns="" val="1"/>
             </a:ext>
           </a:extLst>
         </p:spPr>
@@ -3135,7 +3135,7 @@
           <a:effectLst/>
           <a:extLst>
             <a:ext uri="{C572A759-6A51-4108-AA02-DFA0A04FC94B}">
-              <ma14:wrappingTextBoxFlag xmlns:ma14="http://schemas.microsoft.com/office/mac/drawingml/2011/main" xmlns:a14="http://schemas.microsoft.com/office/drawing/2010/main" xmlns:m="http://schemas.openxmlformats.org/officeDocument/2006/math" xmlns="" val="1"/>
+              <ma14:wrappingTextBoxFlag xmlns="" xmlns:m="http://schemas.openxmlformats.org/officeDocument/2006/math" xmlns:a14="http://schemas.microsoft.com/office/drawing/2010/main" xmlns:ma14="http://schemas.microsoft.com/office/mac/drawingml/2011/main" val="1"/>
             </a:ext>
           </a:extLst>
         </p:spPr>
@@ -3192,7 +3192,7 @@
           </a:prstGeom>
           <a:extLst>
             <a:ext uri="{C572A759-6A51-4108-AA02-DFA0A04FC94B}">
-              <ma14:wrappingTextBoxFlag xmlns:ma14="http://schemas.microsoft.com/office/mac/drawingml/2011/main" xmlns:a14="http://schemas.microsoft.com/office/drawing/2010/main" xmlns:m="http://schemas.openxmlformats.org/officeDocument/2006/math" xmlns="" val="1"/>
+              <ma14:wrappingTextBoxFlag xmlns="" xmlns:m="http://schemas.openxmlformats.org/officeDocument/2006/math" xmlns:a14="http://schemas.microsoft.com/office/drawing/2010/main" xmlns:ma14="http://schemas.microsoft.com/office/mac/drawingml/2011/main" val="1"/>
             </a:ext>
           </a:extLst>
         </p:spPr>
@@ -3243,7 +3243,7 @@
           </a:ln>
           <a:extLst>
             <a:ext uri="{C572A759-6A51-4108-AA02-DFA0A04FC94B}">
-              <ma14:wrappingTextBoxFlag xmlns:ma14="http://schemas.microsoft.com/office/mac/drawingml/2011/main" xmlns:a14="http://schemas.microsoft.com/office/drawing/2010/main" xmlns:m="http://schemas.openxmlformats.org/officeDocument/2006/math" xmlns="" val="1"/>
+              <ma14:wrappingTextBoxFlag xmlns="" xmlns:m="http://schemas.openxmlformats.org/officeDocument/2006/math" xmlns:a14="http://schemas.microsoft.com/office/drawing/2010/main" xmlns:ma14="http://schemas.microsoft.com/office/mac/drawingml/2011/main" val="1"/>
             </a:ext>
           </a:extLst>
         </p:spPr>
@@ -3373,7 +3373,7 @@
           </a:ln>
           <a:extLst>
             <a:ext uri="{C572A759-6A51-4108-AA02-DFA0A04FC94B}">
-              <ma14:wrappingTextBoxFlag xmlns="" xmlns:m="http://schemas.openxmlformats.org/officeDocument/2006/math" xmlns:a14="http://schemas.microsoft.com/office/drawing/2010/main" xmlns:ma14="http://schemas.microsoft.com/office/mac/drawingml/2011/main" val="1"/>
+              <ma14:wrappingTextBoxFlag xmlns:ma14="http://schemas.microsoft.com/office/mac/drawingml/2011/main" xmlns:a14="http://schemas.microsoft.com/office/drawing/2010/main" xmlns:m="http://schemas.openxmlformats.org/officeDocument/2006/math" xmlns="" val="1"/>
             </a:ext>
           </a:extLst>
         </p:spPr>
@@ -3676,7 +3676,7 @@
           <a:effectLst/>
           <a:extLst>
             <a:ext uri="{C572A759-6A51-4108-AA02-DFA0A04FC94B}">
-              <ma14:wrappingTextBoxFlag xmlns="" xmlns:m="http://schemas.openxmlformats.org/officeDocument/2006/math" xmlns:a14="http://schemas.microsoft.com/office/drawing/2010/main" xmlns:ma14="http://schemas.microsoft.com/office/mac/drawingml/2011/main" val="1"/>
+              <ma14:wrappingTextBoxFlag xmlns:ma14="http://schemas.microsoft.com/office/mac/drawingml/2011/main" xmlns:a14="http://schemas.microsoft.com/office/drawing/2010/main" xmlns:m="http://schemas.openxmlformats.org/officeDocument/2006/math" xmlns="" val="1"/>
             </a:ext>
           </a:extLst>
         </p:spPr>
@@ -3733,7 +3733,7 @@
           </a:prstGeom>
           <a:extLst>
             <a:ext uri="{C572A759-6A51-4108-AA02-DFA0A04FC94B}">
-              <ma14:wrappingTextBoxFlag xmlns="" xmlns:m="http://schemas.openxmlformats.org/officeDocument/2006/math" xmlns:a14="http://schemas.microsoft.com/office/drawing/2010/main" xmlns:ma14="http://schemas.microsoft.com/office/mac/drawingml/2011/main" val="1"/>
+              <ma14:wrappingTextBoxFlag xmlns:ma14="http://schemas.microsoft.com/office/mac/drawingml/2011/main" xmlns:a14="http://schemas.microsoft.com/office/drawing/2010/main" xmlns:m="http://schemas.openxmlformats.org/officeDocument/2006/math" xmlns="" val="1"/>
             </a:ext>
           </a:extLst>
         </p:spPr>
@@ -3784,7 +3784,7 @@
           </a:ln>
           <a:extLst>
             <a:ext uri="{C572A759-6A51-4108-AA02-DFA0A04FC94B}">
-              <ma14:wrappingTextBoxFlag xmlns="" xmlns:m="http://schemas.openxmlformats.org/officeDocument/2006/math" xmlns:a14="http://schemas.microsoft.com/office/drawing/2010/main" xmlns:ma14="http://schemas.microsoft.com/office/mac/drawingml/2011/main" val="1"/>
+              <ma14:wrappingTextBoxFlag xmlns:ma14="http://schemas.microsoft.com/office/mac/drawingml/2011/main" xmlns:a14="http://schemas.microsoft.com/office/drawing/2010/main" xmlns:m="http://schemas.openxmlformats.org/officeDocument/2006/math" xmlns="" val="1"/>
             </a:ext>
           </a:extLst>
         </p:spPr>
@@ -3914,7 +3914,7 @@
           </a:ln>
           <a:extLst>
             <a:ext uri="{C572A759-6A51-4108-AA02-DFA0A04FC94B}">
-              <ma14:wrappingTextBoxFlag xmlns:ma14="http://schemas.microsoft.com/office/mac/drawingml/2011/main" xmlns:a14="http://schemas.microsoft.com/office/drawing/2010/main" xmlns:m="http://schemas.openxmlformats.org/officeDocument/2006/math" xmlns="" val="1"/>
+              <ma14:wrappingTextBoxFlag xmlns="" xmlns:m="http://schemas.openxmlformats.org/officeDocument/2006/math" xmlns:a14="http://schemas.microsoft.com/office/drawing/2010/main" xmlns:ma14="http://schemas.microsoft.com/office/mac/drawingml/2011/main" val="1"/>
             </a:ext>
           </a:extLst>
         </p:spPr>
@@ -4081,13 +4081,13 @@
   <p:clrMapOvr>
     <a:masterClrMapping/>
   </p:clrMapOvr>
-  <mc:AlternateContent xmlns:mc="http://schemas.openxmlformats.org/markup-compatibility/2006">
-    <mc:Choice xmlns:p159="http://schemas.microsoft.com/office/powerpoint/2015/09/main" Requires="p159">
+  <mc:AlternateContent xmlns:mc="http://schemas.openxmlformats.org/markup-compatibility/2006" xmlns:p159="http://schemas.microsoft.com/office/powerpoint/2015/09/main">
+    <mc:Choice Requires="p159">
       <p:transition xmlns:p14="http://schemas.microsoft.com/office/powerpoint/2010/main" spd="slow" p14:dur="2000">
         <p159:morph option="byObject"/>
       </p:transition>
     </mc:Choice>
-    <mc:Fallback>
+    <mc:Fallback xmlns="">
       <p:transition spd="slow">
         <p:fade/>
       </p:transition>
@@ -4135,7 +4135,7 @@
           <a:effectLst/>
           <a:extLst>
             <a:ext uri="{C572A759-6A51-4108-AA02-DFA0A04FC94B}">
-              <ma14:wrappingTextBoxFlag xmlns:ma14="http://schemas.microsoft.com/office/mac/drawingml/2011/main" xmlns:a14="http://schemas.microsoft.com/office/drawing/2010/main" xmlns:m="http://schemas.openxmlformats.org/officeDocument/2006/math" xmlns="" val="1"/>
+              <ma14:wrappingTextBoxFlag xmlns="" xmlns:m="http://schemas.openxmlformats.org/officeDocument/2006/math" xmlns:a14="http://schemas.microsoft.com/office/drawing/2010/main" xmlns:ma14="http://schemas.microsoft.com/office/mac/drawingml/2011/main" val="1"/>
             </a:ext>
           </a:extLst>
         </p:spPr>
@@ -4192,7 +4192,7 @@
           </a:prstGeom>
           <a:extLst>
             <a:ext uri="{C572A759-6A51-4108-AA02-DFA0A04FC94B}">
-              <ma14:wrappingTextBoxFlag xmlns:ma14="http://schemas.microsoft.com/office/mac/drawingml/2011/main" xmlns:a14="http://schemas.microsoft.com/office/drawing/2010/main" xmlns:m="http://schemas.openxmlformats.org/officeDocument/2006/math" xmlns="" val="1"/>
+              <ma14:wrappingTextBoxFlag xmlns="" xmlns:m="http://schemas.openxmlformats.org/officeDocument/2006/math" xmlns:a14="http://schemas.microsoft.com/office/drawing/2010/main" xmlns:ma14="http://schemas.microsoft.com/office/mac/drawingml/2011/main" val="1"/>
             </a:ext>
           </a:extLst>
         </p:spPr>
@@ -4243,7 +4243,7 @@
           </a:ln>
           <a:extLst>
             <a:ext uri="{C572A759-6A51-4108-AA02-DFA0A04FC94B}">
-              <ma14:wrappingTextBoxFlag xmlns:ma14="http://schemas.microsoft.com/office/mac/drawingml/2011/main" xmlns:a14="http://schemas.microsoft.com/office/drawing/2010/main" xmlns:m="http://schemas.openxmlformats.org/officeDocument/2006/math" xmlns="" val="1"/>
+              <ma14:wrappingTextBoxFlag xmlns="" xmlns:m="http://schemas.openxmlformats.org/officeDocument/2006/math" xmlns:a14="http://schemas.microsoft.com/office/drawing/2010/main" xmlns:ma14="http://schemas.microsoft.com/office/mac/drawingml/2011/main" val="1"/>
             </a:ext>
           </a:extLst>
         </p:spPr>
@@ -4373,7 +4373,7 @@
           </a:ln>
           <a:extLst>
             <a:ext uri="{C572A759-6A51-4108-AA02-DFA0A04FC94B}">
-              <ma14:wrappingTextBoxFlag xmlns="" xmlns:m="http://schemas.openxmlformats.org/officeDocument/2006/math" xmlns:a14="http://schemas.microsoft.com/office/drawing/2010/main" xmlns:ma14="http://schemas.microsoft.com/office/mac/drawingml/2011/main" val="1"/>
+              <ma14:wrappingTextBoxFlag xmlns:ma14="http://schemas.microsoft.com/office/mac/drawingml/2011/main" xmlns:a14="http://schemas.microsoft.com/office/drawing/2010/main" xmlns:m="http://schemas.openxmlformats.org/officeDocument/2006/math" xmlns="" val="1"/>
             </a:ext>
           </a:extLst>
         </p:spPr>
@@ -4589,13 +4589,13 @@
   <p:clrMapOvr>
     <a:masterClrMapping/>
   </p:clrMapOvr>
-  <mc:AlternateContent xmlns:mc="http://schemas.openxmlformats.org/markup-compatibility/2006">
-    <mc:Choice xmlns:p159="http://schemas.microsoft.com/office/powerpoint/2015/09/main" Requires="p159">
+  <mc:AlternateContent xmlns:mc="http://schemas.openxmlformats.org/markup-compatibility/2006" xmlns:p159="http://schemas.microsoft.com/office/powerpoint/2015/09/main">
+    <mc:Choice Requires="p159">
       <p:transition xmlns:p14="http://schemas.microsoft.com/office/powerpoint/2010/main" spd="slow" p14:dur="2000">
         <p159:morph option="byObject"/>
       </p:transition>
     </mc:Choice>
-    <mc:Fallback>
+    <mc:Fallback xmlns="">
       <p:transition spd="slow">
         <p:fade/>
       </p:transition>
@@ -4734,7 +4734,7 @@
           </a:ln>
           <a:extLst>
             <a:ext uri="{C572A759-6A51-4108-AA02-DFA0A04FC94B}">
-              <ma14:wrappingTextBoxFlag xmlns="" xmlns:m="http://schemas.openxmlformats.org/officeDocument/2006/math" xmlns:a14="http://schemas.microsoft.com/office/drawing/2010/main" xmlns:ma14="http://schemas.microsoft.com/office/mac/drawingml/2011/main" val="1"/>
+              <ma14:wrappingTextBoxFlag xmlns:ma14="http://schemas.microsoft.com/office/mac/drawingml/2011/main" xmlns:a14="http://schemas.microsoft.com/office/drawing/2010/main" xmlns:m="http://schemas.openxmlformats.org/officeDocument/2006/math" xmlns="" val="1"/>
             </a:ext>
           </a:extLst>
         </p:spPr>
@@ -4817,7 +4817,7 @@
           </a:prstGeom>
           <a:extLst>
             <a:ext uri="{C572A759-6A51-4108-AA02-DFA0A04FC94B}">
-              <ma14:wrappingTextBoxFlag xmlns="" xmlns:m="http://schemas.openxmlformats.org/officeDocument/2006/math" xmlns:a14="http://schemas.microsoft.com/office/drawing/2010/main" xmlns:ma14="http://schemas.microsoft.com/office/mac/drawingml/2011/main" val="1"/>
+              <ma14:wrappingTextBoxFlag xmlns:ma14="http://schemas.microsoft.com/office/mac/drawingml/2011/main" xmlns:a14="http://schemas.microsoft.com/office/drawing/2010/main" xmlns:m="http://schemas.openxmlformats.org/officeDocument/2006/math" xmlns="" val="1"/>
             </a:ext>
           </a:extLst>
         </p:spPr>
@@ -4868,7 +4868,7 @@
           </a:ln>
           <a:extLst>
             <a:ext uri="{C572A759-6A51-4108-AA02-DFA0A04FC94B}">
-              <ma14:wrappingTextBoxFlag xmlns="" xmlns:m="http://schemas.openxmlformats.org/officeDocument/2006/math" xmlns:a14="http://schemas.microsoft.com/office/drawing/2010/main" xmlns:ma14="http://schemas.microsoft.com/office/mac/drawingml/2011/main" val="1"/>
+              <ma14:wrappingTextBoxFlag xmlns:ma14="http://schemas.microsoft.com/office/mac/drawingml/2011/main" xmlns:a14="http://schemas.microsoft.com/office/drawing/2010/main" xmlns:m="http://schemas.openxmlformats.org/officeDocument/2006/math" xmlns="" val="1"/>
             </a:ext>
           </a:extLst>
         </p:spPr>
@@ -5177,7 +5177,7 @@
           </a:prstGeom>
           <a:extLst>
             <a:ext uri="{C572A759-6A51-4108-AA02-DFA0A04FC94B}">
-              <ma14:wrappingTextBoxFlag xmlns:ma14="http://schemas.microsoft.com/office/mac/drawingml/2011/main" xmlns:a14="http://schemas.microsoft.com/office/drawing/2010/main" xmlns:m="http://schemas.openxmlformats.org/officeDocument/2006/math" xmlns="" val="1"/>
+              <ma14:wrappingTextBoxFlag xmlns="" xmlns:m="http://schemas.openxmlformats.org/officeDocument/2006/math" xmlns:a14="http://schemas.microsoft.com/office/drawing/2010/main" xmlns:ma14="http://schemas.microsoft.com/office/mac/drawingml/2011/main" val="1"/>
             </a:ext>
           </a:extLst>
         </p:spPr>
@@ -5377,7 +5377,7 @@
           </a:ln>
           <a:extLst>
             <a:ext uri="{C572A759-6A51-4108-AA02-DFA0A04FC94B}">
-              <ma14:wrappingTextBoxFlag xmlns:ma14="http://schemas.microsoft.com/office/mac/drawingml/2011/main" xmlns:a14="http://schemas.microsoft.com/office/drawing/2010/main" xmlns:m="http://schemas.openxmlformats.org/officeDocument/2006/math" xmlns="" val="1"/>
+              <ma14:wrappingTextBoxFlag xmlns="" xmlns:m="http://schemas.openxmlformats.org/officeDocument/2006/math" xmlns:a14="http://schemas.microsoft.com/office/drawing/2010/main" xmlns:ma14="http://schemas.microsoft.com/office/mac/drawingml/2011/main" val="1"/>
             </a:ext>
           </a:extLst>
         </p:spPr>
@@ -5412,35 +5412,39 @@
                   </a:extLst>
                 </a:hlinkClick>
               </a:rPr>
-              <a:t>Ссылка на</a:t>
+              <a:t>Ссылка на </a:t>
             </a:r>
             <a:r>
               <a:rPr lang="ru-RU" dirty="0">
                 <a:solidFill>
-                  <a:schemeClr val="tx1"/>
+                  <a:schemeClr val="accent1"/>
                 </a:solidFill>
                 <a:latin typeface="Nunito SemiBold" panose="00000700000000000000" pitchFamily="2" charset="-52"/>
-              </a:rPr>
-              <a:t> </a:t>
-            </a:r>
-            <a:r>
-              <a:rPr lang="ru-RU" dirty="0">
-                <a:solidFill>
-                  <a:schemeClr val="accent1"/>
-                </a:solidFill>
-                <a:latin typeface="Nunito SemiBold" panose="00000700000000000000" pitchFamily="2" charset="-52"/>
+                <a:hlinkClick r:id="rId2">
+                  <a:extLst>
+                    <a:ext uri="{A12FA001-AC4F-418D-AE19-62706E023703}">
+                      <ahyp:hlinkClr xmlns:ahyp="http://schemas.microsoft.com/office/drawing/2018/hyperlinkcolor" val="tx"/>
+                    </a:ext>
+                  </a:extLst>
+                </a:hlinkClick>
               </a:rPr>
               <a:t>репозиторий</a:t>
             </a:r>
+            <a:endParaRPr lang="ru-RU" dirty="0">
+              <a:solidFill>
+                <a:schemeClr val="accent1"/>
+              </a:solidFill>
+              <a:latin typeface="Nunito SemiBold" panose="00000700000000000000" pitchFamily="2" charset="-52"/>
+            </a:endParaRPr>
           </a:p>
         </p:txBody>
       </p:sp>
       <p:pic>
         <p:nvPicPr>
-          <p:cNvPr id="2052" name="Picture 4">
+          <p:cNvPr id="2" name="Picture 2">
             <a:extLst>
               <a:ext uri="{FF2B5EF4-FFF2-40B4-BE49-F238E27FC236}">
-                <a16:creationId xmlns:a16="http://schemas.microsoft.com/office/drawing/2014/main" id="{1BE0BF1C-12EF-DEDC-4F65-9CC490B36BEE}"/>
+                <a16:creationId xmlns:a16="http://schemas.microsoft.com/office/drawing/2014/main" id="{AC7A79F4-FAC9-7B06-993D-D2CDA2211B98}"/>
               </a:ext>
             </a:extLst>
           </p:cNvPr>
@@ -5464,8 +5468,8 @@
         </p:blipFill>
         <p:spPr bwMode="auto">
           <a:xfrm>
-            <a:off x="9383876" y="4126077"/>
-            <a:ext cx="6167231" cy="6167231"/>
+            <a:off x="9276303" y="4027714"/>
+            <a:ext cx="6382378" cy="6382378"/>
           </a:xfrm>
           <a:prstGeom prst="rect">
             <a:avLst/>
@@ -5546,7 +5550,7 @@
           <a:effectLst/>
           <a:extLst>
             <a:ext uri="{C572A759-6A51-4108-AA02-DFA0A04FC94B}">
-              <ma14:wrappingTextBoxFlag xmlns:ma14="http://schemas.microsoft.com/office/mac/drawingml/2011/main" xmlns:a14="http://schemas.microsoft.com/office/drawing/2010/main" xmlns:m="http://schemas.openxmlformats.org/officeDocument/2006/math" xmlns="" val="1"/>
+              <ma14:wrappingTextBoxFlag xmlns="" xmlns:m="http://schemas.openxmlformats.org/officeDocument/2006/math" xmlns:a14="http://schemas.microsoft.com/office/drawing/2010/main" xmlns:ma14="http://schemas.microsoft.com/office/mac/drawingml/2011/main" val="1"/>
             </a:ext>
           </a:extLst>
         </p:spPr>
@@ -5603,7 +5607,7 @@
           </a:prstGeom>
           <a:extLst>
             <a:ext uri="{C572A759-6A51-4108-AA02-DFA0A04FC94B}">
-              <ma14:wrappingTextBoxFlag xmlns:ma14="http://schemas.microsoft.com/office/mac/drawingml/2011/main" xmlns:a14="http://schemas.microsoft.com/office/drawing/2010/main" xmlns:m="http://schemas.openxmlformats.org/officeDocument/2006/math" xmlns="" val="1"/>
+              <ma14:wrappingTextBoxFlag xmlns="" xmlns:m="http://schemas.openxmlformats.org/officeDocument/2006/math" xmlns:a14="http://schemas.microsoft.com/office/drawing/2010/main" xmlns:ma14="http://schemas.microsoft.com/office/mac/drawingml/2011/main" val="1"/>
             </a:ext>
           </a:extLst>
         </p:spPr>
@@ -5654,7 +5658,7 @@
           </a:ln>
           <a:extLst>
             <a:ext uri="{C572A759-6A51-4108-AA02-DFA0A04FC94B}">
-              <ma14:wrappingTextBoxFlag xmlns:ma14="http://schemas.microsoft.com/office/mac/drawingml/2011/main" xmlns:a14="http://schemas.microsoft.com/office/drawing/2010/main" xmlns:m="http://schemas.openxmlformats.org/officeDocument/2006/math" xmlns="" val="1"/>
+              <ma14:wrappingTextBoxFlag xmlns="" xmlns:m="http://schemas.openxmlformats.org/officeDocument/2006/math" xmlns:a14="http://schemas.microsoft.com/office/drawing/2010/main" xmlns:ma14="http://schemas.microsoft.com/office/mac/drawingml/2011/main" val="1"/>
             </a:ext>
           </a:extLst>
         </p:spPr>
@@ -6051,7 +6055,7 @@
           <a:effectLst/>
           <a:extLst>
             <a:ext uri="{C572A759-6A51-4108-AA02-DFA0A04FC94B}">
-              <ma14:wrappingTextBoxFlag xmlns="" xmlns:m="http://schemas.openxmlformats.org/officeDocument/2006/math" xmlns:a14="http://schemas.microsoft.com/office/drawing/2010/main" xmlns:ma14="http://schemas.microsoft.com/office/mac/drawingml/2011/main" val="1"/>
+              <ma14:wrappingTextBoxFlag xmlns:ma14="http://schemas.microsoft.com/office/mac/drawingml/2011/main" xmlns:a14="http://schemas.microsoft.com/office/drawing/2010/main" xmlns:m="http://schemas.openxmlformats.org/officeDocument/2006/math" xmlns="" val="1"/>
             </a:ext>
           </a:extLst>
         </p:spPr>
@@ -6108,7 +6112,7 @@
           </a:prstGeom>
           <a:extLst>
             <a:ext uri="{C572A759-6A51-4108-AA02-DFA0A04FC94B}">
-              <ma14:wrappingTextBoxFlag xmlns="" xmlns:m="http://schemas.openxmlformats.org/officeDocument/2006/math" xmlns:a14="http://schemas.microsoft.com/office/drawing/2010/main" xmlns:ma14="http://schemas.microsoft.com/office/mac/drawingml/2011/main" val="1"/>
+              <ma14:wrappingTextBoxFlag xmlns:ma14="http://schemas.microsoft.com/office/mac/drawingml/2011/main" xmlns:a14="http://schemas.microsoft.com/office/drawing/2010/main" xmlns:m="http://schemas.openxmlformats.org/officeDocument/2006/math" xmlns="" val="1"/>
             </a:ext>
           </a:extLst>
         </p:spPr>
@@ -6159,7 +6163,7 @@
           </a:ln>
           <a:extLst>
             <a:ext uri="{C572A759-6A51-4108-AA02-DFA0A04FC94B}">
-              <ma14:wrappingTextBoxFlag xmlns="" xmlns:m="http://schemas.openxmlformats.org/officeDocument/2006/math" xmlns:a14="http://schemas.microsoft.com/office/drawing/2010/main" xmlns:ma14="http://schemas.microsoft.com/office/mac/drawingml/2011/main" val="1"/>
+              <ma14:wrappingTextBoxFlag xmlns:ma14="http://schemas.microsoft.com/office/mac/drawingml/2011/main" xmlns:a14="http://schemas.microsoft.com/office/drawing/2010/main" xmlns:m="http://schemas.openxmlformats.org/officeDocument/2006/math" xmlns="" val="1"/>
             </a:ext>
           </a:extLst>
         </p:spPr>
@@ -6310,7 +6314,7 @@
           </a:ln>
           <a:extLst>
             <a:ext uri="{C572A759-6A51-4108-AA02-DFA0A04FC94B}">
-              <ma14:wrappingTextBoxFlag xmlns="" xmlns:m="http://schemas.openxmlformats.org/officeDocument/2006/math" xmlns:a14="http://schemas.microsoft.com/office/drawing/2010/main" xmlns:ma14="http://schemas.microsoft.com/office/mac/drawingml/2011/main" val="1"/>
+              <ma14:wrappingTextBoxFlag xmlns:ma14="http://schemas.microsoft.com/office/mac/drawingml/2011/main" xmlns:a14="http://schemas.microsoft.com/office/drawing/2010/main" xmlns:m="http://schemas.openxmlformats.org/officeDocument/2006/math" xmlns="" val="1"/>
             </a:ext>
           </a:extLst>
         </p:spPr>
@@ -6631,7 +6635,7 @@
           <a:effectLst/>
           <a:extLst>
             <a:ext uri="{C572A759-6A51-4108-AA02-DFA0A04FC94B}">
-              <ma14:wrappingTextBoxFlag xmlns:ma14="http://schemas.microsoft.com/office/mac/drawingml/2011/main" xmlns:a14="http://schemas.microsoft.com/office/drawing/2010/main" xmlns:m="http://schemas.openxmlformats.org/officeDocument/2006/math" xmlns="" val="1"/>
+              <ma14:wrappingTextBoxFlag xmlns="" xmlns:m="http://schemas.openxmlformats.org/officeDocument/2006/math" xmlns:a14="http://schemas.microsoft.com/office/drawing/2010/main" xmlns:ma14="http://schemas.microsoft.com/office/mac/drawingml/2011/main" val="1"/>
             </a:ext>
           </a:extLst>
         </p:spPr>
@@ -6688,7 +6692,7 @@
           </a:prstGeom>
           <a:extLst>
             <a:ext uri="{C572A759-6A51-4108-AA02-DFA0A04FC94B}">
-              <ma14:wrappingTextBoxFlag xmlns:ma14="http://schemas.microsoft.com/office/mac/drawingml/2011/main" xmlns:a14="http://schemas.microsoft.com/office/drawing/2010/main" xmlns:m="http://schemas.openxmlformats.org/officeDocument/2006/math" xmlns="" val="1"/>
+              <ma14:wrappingTextBoxFlag xmlns="" xmlns:m="http://schemas.openxmlformats.org/officeDocument/2006/math" xmlns:a14="http://schemas.microsoft.com/office/drawing/2010/main" xmlns:ma14="http://schemas.microsoft.com/office/mac/drawingml/2011/main" val="1"/>
             </a:ext>
           </a:extLst>
         </p:spPr>
@@ -6739,7 +6743,7 @@
           </a:ln>
           <a:extLst>
             <a:ext uri="{C572A759-6A51-4108-AA02-DFA0A04FC94B}">
-              <ma14:wrappingTextBoxFlag xmlns:ma14="http://schemas.microsoft.com/office/mac/drawingml/2011/main" xmlns:a14="http://schemas.microsoft.com/office/drawing/2010/main" xmlns:m="http://schemas.openxmlformats.org/officeDocument/2006/math" xmlns="" val="1"/>
+              <ma14:wrappingTextBoxFlag xmlns="" xmlns:m="http://schemas.openxmlformats.org/officeDocument/2006/math" xmlns:a14="http://schemas.microsoft.com/office/drawing/2010/main" xmlns:ma14="http://schemas.microsoft.com/office/mac/drawingml/2011/main" val="1"/>
             </a:ext>
           </a:extLst>
         </p:spPr>
@@ -7006,7 +7010,7 @@
           </a:prstGeom>
           <a:extLst>
             <a:ext uri="{C572A759-6A51-4108-AA02-DFA0A04FC94B}">
-              <ma14:wrappingTextBoxFlag xmlns="" xmlns:m="http://schemas.openxmlformats.org/officeDocument/2006/math" xmlns:a14="http://schemas.microsoft.com/office/drawing/2010/main" xmlns:ma14="http://schemas.microsoft.com/office/mac/drawingml/2011/main" val="1"/>
+              <ma14:wrappingTextBoxFlag xmlns:ma14="http://schemas.microsoft.com/office/mac/drawingml/2011/main" xmlns:a14="http://schemas.microsoft.com/office/drawing/2010/main" xmlns:m="http://schemas.openxmlformats.org/officeDocument/2006/math" xmlns="" val="1"/>
             </a:ext>
           </a:extLst>
         </p:spPr>
@@ -7057,7 +7061,7 @@
           </a:ln>
           <a:extLst>
             <a:ext uri="{C572A759-6A51-4108-AA02-DFA0A04FC94B}">
-              <ma14:wrappingTextBoxFlag xmlns="" xmlns:m="http://schemas.openxmlformats.org/officeDocument/2006/math" xmlns:a14="http://schemas.microsoft.com/office/drawing/2010/main" xmlns:ma14="http://schemas.microsoft.com/office/mac/drawingml/2011/main" val="1"/>
+              <ma14:wrappingTextBoxFlag xmlns:ma14="http://schemas.microsoft.com/office/mac/drawingml/2011/main" xmlns:a14="http://schemas.microsoft.com/office/drawing/2010/main" xmlns:m="http://schemas.openxmlformats.org/officeDocument/2006/math" xmlns="" val="1"/>
             </a:ext>
           </a:extLst>
         </p:spPr>
@@ -7121,7 +7125,7 @@
           </a:ln>
           <a:extLst>
             <a:ext uri="{C572A759-6A51-4108-AA02-DFA0A04FC94B}">
-              <ma14:wrappingTextBoxFlag xmlns="" xmlns:m="http://schemas.openxmlformats.org/officeDocument/2006/math" xmlns:a14="http://schemas.microsoft.com/office/drawing/2010/main" xmlns:ma14="http://schemas.microsoft.com/office/mac/drawingml/2011/main" val="1"/>
+              <ma14:wrappingTextBoxFlag xmlns:ma14="http://schemas.microsoft.com/office/mac/drawingml/2011/main" xmlns:a14="http://schemas.microsoft.com/office/drawing/2010/main" xmlns:m="http://schemas.openxmlformats.org/officeDocument/2006/math" xmlns="" val="1"/>
             </a:ext>
           </a:extLst>
         </p:spPr>
@@ -7422,7 +7426,7 @@
           </a:ln>
           <a:extLst>
             <a:ext uri="{C572A759-6A51-4108-AA02-DFA0A04FC94B}">
-              <ma14:wrappingTextBoxFlag xmlns="" xmlns:m="http://schemas.openxmlformats.org/officeDocument/2006/math" xmlns:a14="http://schemas.microsoft.com/office/drawing/2010/main" xmlns:ma14="http://schemas.microsoft.com/office/mac/drawingml/2011/main" val="1"/>
+              <ma14:wrappingTextBoxFlag xmlns:ma14="http://schemas.microsoft.com/office/mac/drawingml/2011/main" xmlns:a14="http://schemas.microsoft.com/office/drawing/2010/main" xmlns:m="http://schemas.openxmlformats.org/officeDocument/2006/math" xmlns="" val="1"/>
             </a:ext>
           </a:extLst>
         </p:spPr>
@@ -7524,7 +7528,7 @@
           </a:prstGeom>
           <a:extLst>
             <a:ext uri="{C572A759-6A51-4108-AA02-DFA0A04FC94B}">
-              <ma14:wrappingTextBoxFlag xmlns="" xmlns:m="http://schemas.openxmlformats.org/officeDocument/2006/math" xmlns:a14="http://schemas.microsoft.com/office/drawing/2010/main" xmlns:ma14="http://schemas.microsoft.com/office/mac/drawingml/2011/main" val="1"/>
+              <ma14:wrappingTextBoxFlag xmlns:ma14="http://schemas.microsoft.com/office/mac/drawingml/2011/main" xmlns:a14="http://schemas.microsoft.com/office/drawing/2010/main" xmlns:m="http://schemas.openxmlformats.org/officeDocument/2006/math" xmlns="" val="1"/>
             </a:ext>
           </a:extLst>
         </p:spPr>
@@ -7575,7 +7579,7 @@
           </a:ln>
           <a:extLst>
             <a:ext uri="{C572A759-6A51-4108-AA02-DFA0A04FC94B}">
-              <ma14:wrappingTextBoxFlag xmlns="" xmlns:m="http://schemas.openxmlformats.org/officeDocument/2006/math" xmlns:a14="http://schemas.microsoft.com/office/drawing/2010/main" xmlns:ma14="http://schemas.microsoft.com/office/mac/drawingml/2011/main" val="1"/>
+              <ma14:wrappingTextBoxFlag xmlns:ma14="http://schemas.microsoft.com/office/mac/drawingml/2011/main" xmlns:a14="http://schemas.microsoft.com/office/drawing/2010/main" xmlns:m="http://schemas.openxmlformats.org/officeDocument/2006/math" xmlns="" val="1"/>
             </a:ext>
           </a:extLst>
         </p:spPr>
@@ -7776,7 +7780,7 @@
           </a:prstGeom>
           <a:extLst>
             <a:ext uri="{C572A759-6A51-4108-AA02-DFA0A04FC94B}">
-              <ma14:wrappingTextBoxFlag xmlns="" xmlns:m="http://schemas.openxmlformats.org/officeDocument/2006/math" xmlns:a14="http://schemas.microsoft.com/office/drawing/2010/main" xmlns:ma14="http://schemas.microsoft.com/office/mac/drawingml/2011/main" val="1"/>
+              <ma14:wrappingTextBoxFlag xmlns:ma14="http://schemas.microsoft.com/office/mac/drawingml/2011/main" xmlns:a14="http://schemas.microsoft.com/office/drawing/2010/main" xmlns:m="http://schemas.openxmlformats.org/officeDocument/2006/math" xmlns="" val="1"/>
             </a:ext>
           </a:extLst>
         </p:spPr>
@@ -7827,7 +7831,7 @@
           </a:ln>
           <a:extLst>
             <a:ext uri="{C572A759-6A51-4108-AA02-DFA0A04FC94B}">
-              <ma14:wrappingTextBoxFlag xmlns="" xmlns:m="http://schemas.openxmlformats.org/officeDocument/2006/math" xmlns:a14="http://schemas.microsoft.com/office/drawing/2010/main" xmlns:ma14="http://schemas.microsoft.com/office/mac/drawingml/2011/main" val="1"/>
+              <ma14:wrappingTextBoxFlag xmlns:ma14="http://schemas.microsoft.com/office/mac/drawingml/2011/main" xmlns:a14="http://schemas.microsoft.com/office/drawing/2010/main" xmlns:m="http://schemas.openxmlformats.org/officeDocument/2006/math" xmlns="" val="1"/>
             </a:ext>
           </a:extLst>
         </p:spPr>
@@ -7999,7 +8003,7 @@
           </a:prstGeom>
           <a:extLst>
             <a:ext uri="{C572A759-6A51-4108-AA02-DFA0A04FC94B}">
-              <ma14:wrappingTextBoxFlag xmlns:ma14="http://schemas.microsoft.com/office/mac/drawingml/2011/main" xmlns:a14="http://schemas.microsoft.com/office/drawing/2010/main" xmlns:m="http://schemas.openxmlformats.org/officeDocument/2006/math" xmlns="" val="1"/>
+              <ma14:wrappingTextBoxFlag xmlns="" xmlns:m="http://schemas.openxmlformats.org/officeDocument/2006/math" xmlns:a14="http://schemas.microsoft.com/office/drawing/2010/main" xmlns:ma14="http://schemas.microsoft.com/office/mac/drawingml/2011/main" val="1"/>
             </a:ext>
           </a:extLst>
         </p:spPr>
@@ -8080,7 +8084,7 @@
           </a:ln>
           <a:extLst>
             <a:ext uri="{C572A759-6A51-4108-AA02-DFA0A04FC94B}">
-              <ma14:wrappingTextBoxFlag xmlns="" xmlns:m="http://schemas.openxmlformats.org/officeDocument/2006/math" xmlns:a14="http://schemas.microsoft.com/office/drawing/2010/main" xmlns:ma14="http://schemas.microsoft.com/office/mac/drawingml/2011/main" val="1"/>
+              <ma14:wrappingTextBoxFlag xmlns:ma14="http://schemas.microsoft.com/office/mac/drawingml/2011/main" xmlns:a14="http://schemas.microsoft.com/office/drawing/2010/main" xmlns:m="http://schemas.openxmlformats.org/officeDocument/2006/math" xmlns="" val="1"/>
             </a:ext>
           </a:extLst>
         </p:spPr>
@@ -8147,13 +8151,13 @@
   <p:clrMapOvr>
     <a:masterClrMapping/>
   </p:clrMapOvr>
-  <mc:AlternateContent xmlns:mc="http://schemas.openxmlformats.org/markup-compatibility/2006">
-    <mc:Choice xmlns:p159="http://schemas.microsoft.com/office/powerpoint/2015/09/main" Requires="p159">
+  <mc:AlternateContent xmlns:mc="http://schemas.openxmlformats.org/markup-compatibility/2006" xmlns:p159="http://schemas.microsoft.com/office/powerpoint/2015/09/main">
+    <mc:Choice Requires="p159">
       <p:transition xmlns:p14="http://schemas.microsoft.com/office/powerpoint/2010/main" spd="slow" p14:dur="2000">
         <p159:morph option="byObject"/>
       </p:transition>
     </mc:Choice>
-    <mc:Fallback>
+    <mc:Fallback xmlns="">
       <p:transition spd="slow">
         <p:fade/>
       </p:transition>
@@ -8205,7 +8209,7 @@
           </a:prstGeom>
           <a:extLst>
             <a:ext uri="{C572A759-6A51-4108-AA02-DFA0A04FC94B}">
-              <ma14:wrappingTextBoxFlag xmlns="" xmlns:m="http://schemas.openxmlformats.org/officeDocument/2006/math" xmlns:a14="http://schemas.microsoft.com/office/drawing/2010/main" xmlns:ma14="http://schemas.microsoft.com/office/mac/drawingml/2011/main" val="1"/>
+              <ma14:wrappingTextBoxFlag xmlns:ma14="http://schemas.microsoft.com/office/mac/drawingml/2011/main" xmlns:a14="http://schemas.microsoft.com/office/drawing/2010/main" xmlns:m="http://schemas.openxmlformats.org/officeDocument/2006/math" xmlns="" val="1"/>
             </a:ext>
           </a:extLst>
         </p:spPr>
@@ -8256,7 +8260,7 @@
           </a:ln>
           <a:extLst>
             <a:ext uri="{C572A759-6A51-4108-AA02-DFA0A04FC94B}">
-              <ma14:wrappingTextBoxFlag xmlns:ma14="http://schemas.microsoft.com/office/mac/drawingml/2011/main" xmlns:a14="http://schemas.microsoft.com/office/drawing/2010/main" xmlns:m="http://schemas.openxmlformats.org/officeDocument/2006/math" xmlns="" val="1"/>
+              <ma14:wrappingTextBoxFlag xmlns="" xmlns:m="http://schemas.openxmlformats.org/officeDocument/2006/math" xmlns:a14="http://schemas.microsoft.com/office/drawing/2010/main" xmlns:ma14="http://schemas.microsoft.com/office/mac/drawingml/2011/main" val="1"/>
             </a:ext>
           </a:extLst>
         </p:spPr>
@@ -8353,13 +8357,13 @@
   <p:clrMapOvr>
     <a:masterClrMapping/>
   </p:clrMapOvr>
-  <mc:AlternateContent xmlns:mc="http://schemas.openxmlformats.org/markup-compatibility/2006">
-    <mc:Choice xmlns:p159="http://schemas.microsoft.com/office/powerpoint/2015/09/main" Requires="p159">
+  <mc:AlternateContent xmlns:mc="http://schemas.openxmlformats.org/markup-compatibility/2006" xmlns:p159="http://schemas.microsoft.com/office/powerpoint/2015/09/main">
+    <mc:Choice Requires="p159">
       <p:transition xmlns:p14="http://schemas.microsoft.com/office/powerpoint/2010/main" spd="slow" p14:dur="2000">
         <p159:morph option="byObject"/>
       </p:transition>
     </mc:Choice>
-    <mc:Fallback>
+    <mc:Fallback xmlns="">
       <p:transition spd="slow">
         <p:fade/>
       </p:transition>

--- a/BinominalHeap.pptx
+++ b/BinominalHeap.pptx
@@ -2537,7 +2537,7 @@
         </p:blipFill>
         <p:spPr>
           <a:xfrm>
-            <a:off x="12506228" y="-32236"/>
+            <a:off x="12511455" y="-32236"/>
             <a:ext cx="12059004" cy="13748236"/>
           </a:xfrm>
           <a:prstGeom prst="rect">
@@ -6943,49 +6943,6 @@
       </p:grpSpPr>
       <p:sp>
         <p:nvSpPr>
-          <p:cNvPr id="13" name="Rounded Rectangle">
-            <a:extLst>
-              <a:ext uri="{FF2B5EF4-FFF2-40B4-BE49-F238E27FC236}">
-                <a16:creationId xmlns:a16="http://schemas.microsoft.com/office/drawing/2014/main" id="{F8167688-341A-21AE-3240-25CEB1FCFEA7}"/>
-              </a:ext>
-            </a:extLst>
-          </p:cNvPr>
-          <p:cNvSpPr/>
-          <p:nvPr/>
-        </p:nvSpPr>
-        <p:spPr>
-          <a:xfrm>
-            <a:off x="540059" y="2897480"/>
-            <a:ext cx="10954450" cy="10184345"/>
-          </a:xfrm>
-          <a:prstGeom prst="roundRect">
-            <a:avLst>
-              <a:gd name="adj" fmla="val 23366"/>
-            </a:avLst>
-          </a:prstGeom>
-          <a:solidFill>
-            <a:schemeClr val="accent2"/>
-          </a:solidFill>
-          <a:ln w="12700">
-            <a:miter lim="400000"/>
-          </a:ln>
-        </p:spPr>
-        <p:txBody>
-          <a:bodyPr lIns="0" tIns="0" rIns="0" bIns="0" anchor="ctr"/>
-          <a:lstStyle/>
-          <a:p>
-            <a:endParaRPr lang="en" sz="4000" b="0" i="0" u="none" strike="noStrike" dirty="0">
-              <a:solidFill>
-                <a:srgbClr val="222222"/>
-              </a:solidFill>
-              <a:effectLst/>
-              <a:latin typeface=""/>
-            </a:endParaRPr>
-          </a:p>
-        </p:txBody>
-      </p:sp>
-      <p:sp>
-        <p:nvSpPr>
           <p:cNvPr id="6" name="Slide Number">
             <a:extLst>
               <a:ext uri="{FF2B5EF4-FFF2-40B4-BE49-F238E27FC236}">
@@ -7102,307 +7059,6 @@
       </p:sp>
       <p:sp>
         <p:nvSpPr>
-          <p:cNvPr id="10" name="Simple text slide…">
-            <a:extLst>
-              <a:ext uri="{FF2B5EF4-FFF2-40B4-BE49-F238E27FC236}">
-                <a16:creationId xmlns:a16="http://schemas.microsoft.com/office/drawing/2014/main" id="{0CB9AB5C-6F3B-C739-467E-9F8412533478}"/>
-              </a:ext>
-            </a:extLst>
-          </p:cNvPr>
-          <p:cNvSpPr txBox="1"/>
-          <p:nvPr/>
-        </p:nvSpPr>
-        <p:spPr>
-          <a:xfrm>
-            <a:off x="1724616" y="3546750"/>
-            <a:ext cx="9014518" cy="8874224"/>
-          </a:xfrm>
-          <a:prstGeom prst="rect">
-            <a:avLst/>
-          </a:prstGeom>
-          <a:ln w="12700">
-            <a:miter lim="400000"/>
-          </a:ln>
-          <a:extLst>
-            <a:ext uri="{C572A759-6A51-4108-AA02-DFA0A04FC94B}">
-              <ma14:wrappingTextBoxFlag xmlns:ma14="http://schemas.microsoft.com/office/mac/drawingml/2011/main" xmlns:a14="http://schemas.microsoft.com/office/drawing/2010/main" xmlns:m="http://schemas.openxmlformats.org/officeDocument/2006/math" xmlns="" val="1"/>
-            </a:ext>
-          </a:extLst>
-        </p:spPr>
-        <p:txBody>
-          <a:bodyPr wrap="square" lIns="50800" tIns="50800" rIns="50800" bIns="50800">
-            <a:spAutoFit/>
-          </a:bodyPr>
-          <a:lstStyle/>
-          <a:p>
-            <a:pPr algn="l"/>
-            <a:r>
-              <a:rPr lang="ru-RU" i="0" u="none" strike="noStrike" dirty="0">
-                <a:solidFill>
-                  <a:schemeClr val="accent1"/>
-                </a:solidFill>
-                <a:effectLst/>
-                <a:latin typeface=""/>
-              </a:rPr>
-              <a:t>Для </a:t>
-            </a:r>
-            <a:r>
-              <a:rPr lang="ru-RU" i="0" u="none" strike="noStrike" dirty="0">
-                <a:solidFill>
-                  <a:schemeClr val="tx1"/>
-                </a:solidFill>
-                <a:effectLst/>
-                <a:latin typeface=""/>
-              </a:rPr>
-              <a:t>нахождения минимального элемента </a:t>
-            </a:r>
-            <a:r>
-              <a:rPr lang="ru-RU" i="0" u="none" strike="noStrike" dirty="0">
-                <a:solidFill>
-                  <a:schemeClr val="accent1"/>
-                </a:solidFill>
-                <a:effectLst/>
-                <a:latin typeface=""/>
-              </a:rPr>
-              <a:t>надо найти элемент в списке корней с минимальным значением (предполагается, что ключей, равных бесконечности, нет).</a:t>
-            </a:r>
-          </a:p>
-          <a:p>
-            <a:pPr algn="l"/>
-            <a:r>
-              <a:rPr lang="ru-RU" i="0" u="none" strike="noStrike" dirty="0">
-                <a:solidFill>
-                  <a:schemeClr val="accent1"/>
-                </a:solidFill>
-                <a:effectLst/>
-                <a:latin typeface=""/>
-              </a:rPr>
-              <a:t>Так как корней в этом списке не более </a:t>
-            </a:r>
-            <a:r>
-              <a:rPr lang="ru-RU" i="0" u="none" strike="noStrike" dirty="0">
-                <a:solidFill>
-                  <a:schemeClr val="tx1"/>
-                </a:solidFill>
-                <a:effectLst/>
-                <a:latin typeface=""/>
-              </a:rPr>
-              <a:t>⌊</a:t>
-            </a:r>
-            <a:r>
-              <a:rPr lang="en" i="0" u="none" strike="noStrike" dirty="0">
-                <a:solidFill>
-                  <a:schemeClr val="tx1"/>
-                </a:solidFill>
-                <a:effectLst/>
-                <a:latin typeface=""/>
-              </a:rPr>
-              <a:t>log(N)⌋+1</a:t>
-            </a:r>
-            <a:r>
-              <a:rPr lang="en" i="0" u="none" strike="noStrike" dirty="0">
-                <a:solidFill>
-                  <a:schemeClr val="accent1"/>
-                </a:solidFill>
-                <a:effectLst/>
-                <a:latin typeface=""/>
-              </a:rPr>
-              <a:t>, </a:t>
-            </a:r>
-            <a:r>
-              <a:rPr lang="ru-RU" i="0" u="none" strike="noStrike" dirty="0">
-                <a:solidFill>
-                  <a:schemeClr val="accent1"/>
-                </a:solidFill>
-                <a:effectLst/>
-                <a:latin typeface=""/>
-              </a:rPr>
-              <a:t>то операция выполняется за </a:t>
-            </a:r>
-            <a:r>
-              <a:rPr lang="en" i="0" u="none" strike="noStrike" dirty="0">
-                <a:solidFill>
-                  <a:schemeClr val="tx1"/>
-                </a:solidFill>
-                <a:effectLst/>
-                <a:latin typeface=""/>
-              </a:rPr>
-              <a:t>O(log(N))</a:t>
-            </a:r>
-            <a:r>
-              <a:rPr lang="en" i="0" u="none" strike="noStrike" dirty="0">
-                <a:solidFill>
-                  <a:schemeClr val="accent1"/>
-                </a:solidFill>
-                <a:effectLst/>
-                <a:latin typeface=""/>
-              </a:rPr>
-              <a:t>.</a:t>
-            </a:r>
-          </a:p>
-          <a:p>
-            <a:pPr algn="l"/>
-            <a:r>
-              <a:rPr lang="ru-RU" i="0" u="none" strike="noStrike" dirty="0">
-                <a:solidFill>
-                  <a:schemeClr val="accent1"/>
-                </a:solidFill>
-                <a:effectLst/>
-                <a:latin typeface=""/>
-              </a:rPr>
-              <a:t>При вызове этой процедуры для кучи, изображенной на картинке ниже, будет возвращен указатель на вершину с ключом 1.</a:t>
-            </a:r>
-            <a:br>
-              <a:rPr lang="ru-RU" i="0" u="none" strike="noStrike" dirty="0">
-                <a:solidFill>
-                  <a:schemeClr val="accent1"/>
-                </a:solidFill>
-                <a:effectLst/>
-                <a:latin typeface=""/>
-              </a:rPr>
-            </a:br>
-            <a:r>
-              <a:rPr lang="ru-RU" i="0" u="none" strike="noStrike" dirty="0">
-                <a:solidFill>
-                  <a:schemeClr val="accent1"/>
-                </a:solidFill>
-                <a:effectLst/>
-                <a:latin typeface=""/>
-              </a:rPr>
-              <a:t>При использовании указателя на биномиальное дерево, которое содержит минимальный элемент, время для этой операции может быть сведено к </a:t>
-            </a:r>
-            <a:r>
-              <a:rPr lang="en" i="0" u="none" strike="noStrike" dirty="0">
-                <a:solidFill>
-                  <a:schemeClr val="tx1"/>
-                </a:solidFill>
-                <a:effectLst/>
-                <a:latin typeface=""/>
-              </a:rPr>
-              <a:t>O(1)</a:t>
-            </a:r>
-            <a:r>
-              <a:rPr lang="en" i="0" u="none" strike="noStrike" dirty="0">
-                <a:solidFill>
-                  <a:schemeClr val="accent1"/>
-                </a:solidFill>
-                <a:effectLst/>
-                <a:latin typeface=""/>
-              </a:rPr>
-              <a:t>. </a:t>
-            </a:r>
-            <a:r>
-              <a:rPr lang="ru-RU" i="0" u="none" strike="noStrike" dirty="0">
-                <a:solidFill>
-                  <a:schemeClr val="accent1"/>
-                </a:solidFill>
-                <a:effectLst/>
-                <a:latin typeface=""/>
-              </a:rPr>
-              <a:t>Указатель должен обновляться при выполнении любой операции, кроме операции получения минимума</a:t>
-            </a:r>
-            <a:r>
-              <a:rPr lang="en" i="0" u="none" strike="noStrike" dirty="0">
-                <a:solidFill>
-                  <a:schemeClr val="accent1"/>
-                </a:solidFill>
-                <a:effectLst/>
-                <a:latin typeface=""/>
-              </a:rPr>
-              <a:t>. </a:t>
-            </a:r>
-            <a:r>
-              <a:rPr lang="ru-RU" i="0" u="none" strike="noStrike" dirty="0">
-                <a:solidFill>
-                  <a:schemeClr val="accent1"/>
-                </a:solidFill>
-                <a:effectLst/>
-                <a:latin typeface=""/>
-              </a:rPr>
-              <a:t>Это может быть сделано за </a:t>
-            </a:r>
-            <a:r>
-              <a:rPr lang="en" i="0" u="none" strike="noStrike" dirty="0">
-                <a:solidFill>
-                  <a:schemeClr val="tx1"/>
-                </a:solidFill>
-                <a:effectLst/>
-                <a:latin typeface=""/>
-              </a:rPr>
-              <a:t>O(log(N))</a:t>
-            </a:r>
-            <a:r>
-              <a:rPr lang="en" i="0" u="none" strike="noStrike" dirty="0">
-                <a:solidFill>
-                  <a:schemeClr val="accent1"/>
-                </a:solidFill>
-                <a:effectLst/>
-                <a:latin typeface=""/>
-              </a:rPr>
-              <a:t>, </a:t>
-            </a:r>
-            <a:r>
-              <a:rPr lang="ru-RU" i="0" u="none" strike="noStrike" dirty="0">
-                <a:solidFill>
-                  <a:schemeClr val="accent1"/>
-                </a:solidFill>
-                <a:effectLst/>
-                <a:latin typeface=""/>
-              </a:rPr>
-              <a:t>не ухудшая время работы других операций.</a:t>
-            </a:r>
-          </a:p>
-        </p:txBody>
-      </p:sp>
-      <p:pic>
-        <p:nvPicPr>
-          <p:cNvPr id="14" name="Picture 7">
-            <a:extLst>
-              <a:ext uri="{FF2B5EF4-FFF2-40B4-BE49-F238E27FC236}">
-                <a16:creationId xmlns:a16="http://schemas.microsoft.com/office/drawing/2014/main" id="{952C29DF-D73D-9CA9-EFBC-9427CFABA1E2}"/>
-              </a:ext>
-            </a:extLst>
-          </p:cNvPr>
-          <p:cNvPicPr>
-            <a:picLocks noChangeAspect="1" noChangeArrowheads="1"/>
-          </p:cNvPicPr>
-          <p:nvPr/>
-        </p:nvPicPr>
-        <p:blipFill>
-          <a:blip r:embed="rId2">
-            <a:extLst>
-              <a:ext uri="{28A0092B-C50C-407E-A947-70E740481C1C}">
-                <a14:useLocalDpi xmlns:a14="http://schemas.microsoft.com/office/drawing/2010/main" val="0"/>
-              </a:ext>
-            </a:extLst>
-          </a:blip>
-          <a:srcRect/>
-          <a:stretch>
-            <a:fillRect/>
-          </a:stretch>
-        </p:blipFill>
-        <p:spPr bwMode="auto">
-          <a:xfrm>
-            <a:off x="12102596" y="5040376"/>
-            <a:ext cx="10594490" cy="5898554"/>
-          </a:xfrm>
-          <a:prstGeom prst="rect">
-            <a:avLst/>
-          </a:prstGeom>
-          <a:noFill/>
-          <a:extLst>
-            <a:ext uri="{909E8E84-426E-40DD-AFC4-6F175D3DCCD1}">
-              <a14:hiddenFill xmlns:a14="http://schemas.microsoft.com/office/drawing/2010/main">
-                <a:solidFill>
-                  <a:srgbClr val="FFFFFF"/>
-                </a:solidFill>
-              </a14:hiddenFill>
-            </a:ext>
-          </a:extLst>
-        </p:spPr>
-      </p:pic>
-      <p:sp>
-        <p:nvSpPr>
           <p:cNvPr id="16" name="Simple text slide…">
             <a:extLst>
               <a:ext uri="{FF2B5EF4-FFF2-40B4-BE49-F238E27FC236}">
@@ -7465,6 +7121,36 @@
           </a:p>
         </p:txBody>
       </p:sp>
+      <p:pic>
+        <p:nvPicPr>
+          <p:cNvPr id="2" name="Рисунок 1">
+            <a:extLst>
+              <a:ext uri="{FF2B5EF4-FFF2-40B4-BE49-F238E27FC236}">
+                <a16:creationId xmlns:a16="http://schemas.microsoft.com/office/drawing/2014/main" id="{1A7C43C3-2987-9A18-6371-65DDA784240C}"/>
+              </a:ext>
+            </a:extLst>
+          </p:cNvPr>
+          <p:cNvPicPr>
+            <a:picLocks noChangeAspect="1"/>
+          </p:cNvPicPr>
+          <p:nvPr/>
+        </p:nvPicPr>
+        <p:blipFill>
+          <a:blip r:embed="rId2"/>
+          <a:stretch>
+            <a:fillRect/>
+          </a:stretch>
+        </p:blipFill>
+        <p:spPr>
+          <a:xfrm>
+            <a:off x="1001486" y="2472733"/>
+            <a:ext cx="18862829" cy="10756357"/>
+          </a:xfrm>
+          <a:prstGeom prst="rect">
+            <a:avLst/>
+          </a:prstGeom>
+        </p:spPr>
+      </p:pic>
     </p:spTree>
   </p:cSld>
   <p:clrMapOvr>
@@ -8073,8 +7759,8 @@
         </p:nvSpPr>
         <p:spPr>
           <a:xfrm>
-            <a:off x="538567" y="10522267"/>
-            <a:ext cx="21651211" cy="3057247"/>
+            <a:off x="1213481" y="10932988"/>
+            <a:ext cx="21651211" cy="2133918"/>
           </a:xfrm>
           <a:prstGeom prst="rect">
             <a:avLst/>
@@ -8106,7 +7792,7 @@
               </a:defRPr>
             </a:pPr>
             <a:r>
-              <a:rPr lang="ru-RU" sz="9600" dirty="0">
+              <a:rPr lang="ru-RU" sz="6600" dirty="0">
                 <a:solidFill>
                   <a:schemeClr val="accent4"/>
                 </a:solidFill>
@@ -8115,7 +7801,7 @@
               <a:t>Среднее </a:t>
             </a:r>
             <a:r>
-              <a:rPr lang="ru-RU" sz="9600" dirty="0">
+              <a:rPr lang="ru-RU" sz="6600" dirty="0">
                 <a:solidFill>
                   <a:schemeClr val="accent1"/>
                 </a:solidFill>
@@ -8124,7 +7810,7 @@
               <a:t>время</a:t>
             </a:r>
             <a:r>
-              <a:rPr lang="ru-RU" sz="9600" dirty="0">
+              <a:rPr lang="ru-RU" sz="6600" dirty="0">
                 <a:solidFill>
                   <a:schemeClr val="accent4"/>
                 </a:solidFill>
@@ -8132,11 +7818,69 @@
               </a:rPr>
               <a:t> извлечения – 13304 наносекунд</a:t>
             </a:r>
-            <a:endParaRPr lang="ru-RU" sz="9600" dirty="0">
+          </a:p>
+          <a:p>
+            <a:pPr algn="l">
+              <a:defRPr sz="8000">
+                <a:solidFill>
+                  <a:srgbClr val="2F2F2F"/>
+                </a:solidFill>
+                <a:latin typeface="Nunito-SemiBold"/>
+                <a:ea typeface="Nunito-SemiBold"/>
+                <a:cs typeface="Nunito-SemiBold"/>
+                <a:sym typeface="Nunito-SemiBold"/>
+              </a:defRPr>
+            </a:pPr>
+            <a:r>
+              <a:rPr lang="ru-RU" sz="6600" dirty="0">
+                <a:solidFill>
+                  <a:schemeClr val="accent4"/>
+                </a:solidFill>
+                <a:latin typeface="Nunito SemiBold" panose="00000700000000000000" pitchFamily="2" charset="-52"/>
+              </a:rPr>
+              <a:t>Среднее </a:t>
+            </a:r>
+            <a:r>
+              <a:rPr lang="ru-RU" sz="6600" dirty="0">
+                <a:solidFill>
+                  <a:schemeClr val="accent1"/>
+                </a:solidFill>
+                <a:latin typeface="Nunito SemiBold" panose="00000700000000000000" pitchFamily="2" charset="-52"/>
+              </a:rPr>
+              <a:t>кол-во</a:t>
+            </a:r>
+            <a:r>
+              <a:rPr lang="ru-RU" sz="6600" dirty="0">
+                <a:solidFill>
+                  <a:schemeClr val="accent4"/>
+                </a:solidFill>
+                <a:latin typeface="Nunito SemiBold" panose="00000700000000000000" pitchFamily="2" charset="-52"/>
+              </a:rPr>
+              <a:t> </a:t>
+            </a:r>
+            <a:r>
+              <a:rPr lang="ru-RU" sz="6600" dirty="0">
+                <a:solidFill>
+                  <a:schemeClr val="accent1"/>
+                </a:solidFill>
+                <a:latin typeface="Nunito SemiBold" panose="00000700000000000000" pitchFamily="2" charset="-52"/>
+              </a:rPr>
+              <a:t>итераций</a:t>
+            </a:r>
+            <a:r>
+              <a:rPr lang="ru-RU" sz="6600" dirty="0">
+                <a:solidFill>
+                  <a:schemeClr val="accent4"/>
+                </a:solidFill>
+                <a:latin typeface="Nunito SemiBold" panose="00000700000000000000" pitchFamily="2" charset="-52"/>
+              </a:rPr>
+              <a:t> при извлечении – 2129</a:t>
+            </a:r>
+            <a:endParaRPr lang="ru-RU" sz="6600" dirty="0">
               <a:solidFill>
-                <a:schemeClr val="accent1"/>
+                <a:srgbClr val="BCBEC4"/>
               </a:solidFill>
-              <a:latin typeface="Nunito SemiBold" panose="00000700000000000000" pitchFamily="2" charset="-52"/>
+              <a:effectLst/>
             </a:endParaRPr>
           </a:p>
         </p:txBody>
@@ -8249,8 +7993,8 @@
         </p:nvSpPr>
         <p:spPr>
           <a:xfrm>
-            <a:off x="538567" y="10522267"/>
-            <a:ext cx="21651211" cy="3057247"/>
+            <a:off x="1366393" y="10932988"/>
+            <a:ext cx="21651211" cy="2133918"/>
           </a:xfrm>
           <a:prstGeom prst="rect">
             <a:avLst/>
@@ -8282,7 +8026,7 @@
               </a:defRPr>
             </a:pPr>
             <a:r>
-              <a:rPr lang="ru-RU" sz="9600" dirty="0">
+              <a:rPr lang="ru-RU" sz="6600" dirty="0">
                 <a:solidFill>
                   <a:schemeClr val="accent4"/>
                 </a:solidFill>
@@ -8291,7 +8035,7 @@
               <a:t>Среднее </a:t>
             </a:r>
             <a:r>
-              <a:rPr lang="ru-RU" sz="9600" dirty="0">
+              <a:rPr lang="ru-RU" sz="6600" dirty="0">
                 <a:solidFill>
                   <a:schemeClr val="accent1"/>
                 </a:solidFill>
@@ -8300,7 +8044,7 @@
               <a:t>время</a:t>
             </a:r>
             <a:r>
-              <a:rPr lang="ru-RU" sz="9600" dirty="0">
+              <a:rPr lang="ru-RU" sz="6600" dirty="0">
                 <a:solidFill>
                   <a:schemeClr val="accent4"/>
                 </a:solidFill>
@@ -8308,7 +8052,47 @@
               </a:rPr>
               <a:t> добавления – 160 наносекунд</a:t>
             </a:r>
-            <a:endParaRPr lang="ru-RU" sz="9600" dirty="0">
+          </a:p>
+          <a:p>
+            <a:pPr algn="l">
+              <a:defRPr sz="8000">
+                <a:solidFill>
+                  <a:srgbClr val="2F2F2F"/>
+                </a:solidFill>
+                <a:latin typeface="Nunito-SemiBold"/>
+                <a:ea typeface="Nunito-SemiBold"/>
+                <a:cs typeface="Nunito-SemiBold"/>
+                <a:sym typeface="Nunito-SemiBold"/>
+              </a:defRPr>
+            </a:pPr>
+            <a:r>
+              <a:rPr lang="ru-RU" sz="6600" dirty="0">
+                <a:solidFill>
+                  <a:schemeClr val="accent4"/>
+                </a:solidFill>
+                <a:latin typeface="Nunito SemiBold" panose="00000700000000000000" pitchFamily="2" charset="-52"/>
+              </a:rPr>
+              <a:t>Среднее </a:t>
+            </a:r>
+            <a:r>
+              <a:rPr lang="ru-RU" sz="6600" dirty="0">
+                <a:solidFill>
+                  <a:schemeClr val="accent1"/>
+                </a:solidFill>
+                <a:latin typeface="Nunito SemiBold" panose="00000700000000000000" pitchFamily="2" charset="-52"/>
+              </a:rPr>
+              <a:t>кол-во итераций</a:t>
+            </a:r>
+            <a:r>
+              <a:rPr lang="ru-RU" sz="6600" dirty="0">
+                <a:solidFill>
+                  <a:schemeClr val="accent4"/>
+                </a:solidFill>
+                <a:latin typeface="Nunito SemiBold" panose="00000700000000000000" pitchFamily="2" charset="-52"/>
+              </a:rPr>
+              <a:t> при добавлении - 6</a:t>
+            </a:r>
+            <a:endParaRPr lang="ru-RU" sz="6600" dirty="0">
               <a:solidFill>
                 <a:schemeClr val="accent1"/>
               </a:solidFill>
@@ -8347,6 +8131,67 @@
           </a:prstGeom>
         </p:spPr>
       </p:pic>
+      <p:sp>
+        <p:nvSpPr>
+          <p:cNvPr id="2" name="Simple text slide…">
+            <a:extLst>
+              <a:ext uri="{FF2B5EF4-FFF2-40B4-BE49-F238E27FC236}">
+                <a16:creationId xmlns:a16="http://schemas.microsoft.com/office/drawing/2014/main" id="{DF989D01-61CA-2083-CF4C-B2040C340BB4}"/>
+              </a:ext>
+            </a:extLst>
+          </p:cNvPr>
+          <p:cNvSpPr txBox="1"/>
+          <p:nvPr/>
+        </p:nvSpPr>
+        <p:spPr>
+          <a:xfrm>
+            <a:off x="3439918" y="9690988"/>
+            <a:ext cx="18989890" cy="441146"/>
+          </a:xfrm>
+          <a:prstGeom prst="rect">
+            <a:avLst/>
+          </a:prstGeom>
+          <a:ln w="12700">
+            <a:miter lim="400000"/>
+          </a:ln>
+          <a:extLst>
+            <a:ext uri="{C572A759-6A51-4108-AA02-DFA0A04FC94B}">
+              <ma14:wrappingTextBoxFlag xmlns="" xmlns:m="http://schemas.openxmlformats.org/officeDocument/2006/math" xmlns:a14="http://schemas.microsoft.com/office/drawing/2010/main" xmlns:ma14="http://schemas.microsoft.com/office/mac/drawingml/2011/main" val="1"/>
+            </a:ext>
+          </a:extLst>
+        </p:spPr>
+        <p:txBody>
+          <a:bodyPr wrap="square" lIns="50800" tIns="50800" rIns="50800" bIns="50800">
+            <a:spAutoFit/>
+          </a:bodyPr>
+          <a:lstStyle/>
+          <a:p>
+            <a:pPr algn="l">
+              <a:defRPr sz="8000">
+                <a:solidFill>
+                  <a:srgbClr val="2F2F2F"/>
+                </a:solidFill>
+                <a:latin typeface="Nunito-SemiBold"/>
+                <a:ea typeface="Nunito-SemiBold"/>
+                <a:cs typeface="Nunito-SemiBold"/>
+                <a:sym typeface="Nunito-SemiBold"/>
+              </a:defRPr>
+            </a:pPr>
+            <a:r>
+              <a:rPr lang="ru-RU" sz="2200" dirty="0">
+                <a:solidFill>
+                  <a:schemeClr val="tx1">
+                    <a:lumMod val="65000"/>
+                    <a:lumOff val="35000"/>
+                  </a:schemeClr>
+                </a:solidFill>
+                <a:latin typeface="Nunito SemiBold" panose="00000700000000000000" pitchFamily="2" charset="-52"/>
+              </a:rPr>
+              <a:t>Первая операция добавления была убрана из графика (для читабельности графика), она была произведена за 183500 наносекунд.</a:t>
+            </a:r>
+          </a:p>
+        </p:txBody>
+      </p:sp>
     </p:spTree>
     <p:extLst>
       <p:ext uri="{BB962C8B-B14F-4D97-AF65-F5344CB8AC3E}">
